--- a/11-creating_a_custom_resource.pptx
+++ b/11-creating_a_custom_resource.pptx
@@ -9856,14 +9856,14 @@
           </a:ln>
           <a:extLst>
             <a:ext uri="{909E8E84-426E-40dd-AFC4-6F175D3DCCD1}">
-              <a14:hiddenFill xmlns="" xmlns:a14="http://schemas.microsoft.com/office/drawing/2010/main">
+              <a14:hiddenFill xmlns:a14="http://schemas.microsoft.com/office/drawing/2010/main" xmlns="">
                 <a:solidFill>
                   <a:srgbClr val="FFFFFF"/>
                 </a:solidFill>
               </a14:hiddenFill>
             </a:ext>
             <a:ext uri="{91240B29-F687-4f45-9708-019B960494DF}">
-              <a14:hiddenLine xmlns="" xmlns:a14="http://schemas.microsoft.com/office/drawing/2010/main" w="9525">
+              <a14:hiddenLine xmlns:a14="http://schemas.microsoft.com/office/drawing/2010/main" xmlns="" w="9525">
                 <a:solidFill>
                   <a:srgbClr val="000000"/>
                 </a:solidFill>
@@ -10011,14 +10011,14 @@
           </a:ln>
           <a:extLst>
             <a:ext uri="{909E8E84-426E-40dd-AFC4-6F175D3DCCD1}">
-              <a14:hiddenFill xmlns="" xmlns:a14="http://schemas.microsoft.com/office/drawing/2010/main">
+              <a14:hiddenFill xmlns:a14="http://schemas.microsoft.com/office/drawing/2010/main" xmlns="">
                 <a:solidFill>
                   <a:srgbClr val="FFFFFF"/>
                 </a:solidFill>
               </a14:hiddenFill>
             </a:ext>
             <a:ext uri="{91240B29-F687-4f45-9708-019B960494DF}">
-              <a14:hiddenLine xmlns="" xmlns:a14="http://schemas.microsoft.com/office/drawing/2010/main" w="9525">
+              <a14:hiddenLine xmlns:a14="http://schemas.microsoft.com/office/drawing/2010/main" xmlns="" w="9525">
                 <a:solidFill>
                   <a:srgbClr val="000000"/>
                 </a:solidFill>
@@ -10474,14 +10474,14 @@
           </a:ln>
           <a:extLst>
             <a:ext uri="{909E8E84-426E-40dd-AFC4-6F175D3DCCD1}">
-              <a14:hiddenFill xmlns="" xmlns:a14="http://schemas.microsoft.com/office/drawing/2010/main">
+              <a14:hiddenFill xmlns:a14="http://schemas.microsoft.com/office/drawing/2010/main" xmlns="">
                 <a:solidFill>
                   <a:srgbClr val="FFFFFF"/>
                 </a:solidFill>
               </a14:hiddenFill>
             </a:ext>
             <a:ext uri="{91240B29-F687-4f45-9708-019B960494DF}">
-              <a14:hiddenLine xmlns="" xmlns:a14="http://schemas.microsoft.com/office/drawing/2010/main" w="9525">
+              <a14:hiddenLine xmlns:a14="http://schemas.microsoft.com/office/drawing/2010/main" xmlns="" w="9525">
                 <a:solidFill>
                   <a:srgbClr val="000000"/>
                 </a:solidFill>
@@ -11930,14 +11930,14 @@
           </a:ln>
           <a:extLst>
             <a:ext uri="{909E8E84-426E-40dd-AFC4-6F175D3DCCD1}">
-              <a14:hiddenFill xmlns="" xmlns:a14="http://schemas.microsoft.com/office/drawing/2010/main">
+              <a14:hiddenFill xmlns:a14="http://schemas.microsoft.com/office/drawing/2010/main" xmlns="">
                 <a:solidFill>
                   <a:srgbClr val="FFFFFF"/>
                 </a:solidFill>
               </a14:hiddenFill>
             </a:ext>
             <a:ext uri="{91240B29-F687-4f45-9708-019B960494DF}">
-              <a14:hiddenLine xmlns="" xmlns:a14="http://schemas.microsoft.com/office/drawing/2010/main" w="9525">
+              <a14:hiddenLine xmlns:a14="http://schemas.microsoft.com/office/drawing/2010/main" xmlns="" w="9525">
                 <a:solidFill>
                   <a:srgbClr val="000000"/>
                 </a:solidFill>
@@ -13291,14 +13291,14 @@
           </a:ln>
           <a:extLst>
             <a:ext uri="{909E8E84-426E-40dd-AFC4-6F175D3DCCD1}">
-              <a14:hiddenFill xmlns="" xmlns:a14="http://schemas.microsoft.com/office/drawing/2010/main">
+              <a14:hiddenFill xmlns:a14="http://schemas.microsoft.com/office/drawing/2010/main" xmlns="">
                 <a:solidFill>
                   <a:srgbClr val="FFFFFF"/>
                 </a:solidFill>
               </a14:hiddenFill>
             </a:ext>
             <a:ext uri="{91240B29-F687-4f45-9708-019B960494DF}">
-              <a14:hiddenLine xmlns="" xmlns:a14="http://schemas.microsoft.com/office/drawing/2010/main" w="9525">
+              <a14:hiddenLine xmlns:a14="http://schemas.microsoft.com/office/drawing/2010/main" xmlns="" w="9525">
                 <a:solidFill>
                   <a:srgbClr val="000000"/>
                 </a:solidFill>
@@ -13821,14 +13821,14 @@
           </a:ln>
           <a:extLst>
             <a:ext uri="{909E8E84-426E-40dd-AFC4-6F175D3DCCD1}">
-              <a14:hiddenFill xmlns="" xmlns:a14="http://schemas.microsoft.com/office/drawing/2010/main">
+              <a14:hiddenFill xmlns:a14="http://schemas.microsoft.com/office/drawing/2010/main" xmlns="">
                 <a:solidFill>
                   <a:srgbClr val="FFFFFF"/>
                 </a:solidFill>
               </a14:hiddenFill>
             </a:ext>
             <a:ext uri="{91240B29-F687-4f45-9708-019B960494DF}">
-              <a14:hiddenLine xmlns="" xmlns:a14="http://schemas.microsoft.com/office/drawing/2010/main" w="9525">
+              <a14:hiddenLine xmlns:a14="http://schemas.microsoft.com/office/drawing/2010/main" xmlns="" w="9525">
                 <a:solidFill>
                   <a:srgbClr val="000000"/>
                 </a:solidFill>
@@ -14360,14 +14360,14 @@
           </a:ln>
           <a:extLst>
             <a:ext uri="{909E8E84-426E-40dd-AFC4-6F175D3DCCD1}">
-              <a14:hiddenFill xmlns="" xmlns:a14="http://schemas.microsoft.com/office/drawing/2010/main">
+              <a14:hiddenFill xmlns:a14="http://schemas.microsoft.com/office/drawing/2010/main" xmlns="">
                 <a:solidFill>
                   <a:srgbClr val="FFFFFF"/>
                 </a:solidFill>
               </a14:hiddenFill>
             </a:ext>
             <a:ext uri="{91240B29-F687-4f45-9708-019B960494DF}">
-              <a14:hiddenLine xmlns="" xmlns:a14="http://schemas.microsoft.com/office/drawing/2010/main" w="9525">
+              <a14:hiddenLine xmlns:a14="http://schemas.microsoft.com/office/drawing/2010/main" xmlns="" w="9525">
                 <a:solidFill>
                   <a:srgbClr val="000000"/>
                 </a:solidFill>
@@ -15307,14 +15307,14 @@
           </a:ln>
           <a:extLst>
             <a:ext uri="{909E8E84-426E-40dd-AFC4-6F175D3DCCD1}">
-              <a14:hiddenFill xmlns="" xmlns:a14="http://schemas.microsoft.com/office/drawing/2010/main">
+              <a14:hiddenFill xmlns:a14="http://schemas.microsoft.com/office/drawing/2010/main" xmlns="">
                 <a:solidFill>
                   <a:srgbClr val="FFFFFF"/>
                 </a:solidFill>
               </a14:hiddenFill>
             </a:ext>
             <a:ext uri="{91240B29-F687-4f45-9708-019B960494DF}">
-              <a14:hiddenLine xmlns="" xmlns:a14="http://schemas.microsoft.com/office/drawing/2010/main" w="9525">
+              <a14:hiddenLine xmlns:a14="http://schemas.microsoft.com/office/drawing/2010/main" xmlns="" w="9525">
                 <a:solidFill>
                   <a:srgbClr val="000000"/>
                 </a:solidFill>
@@ -16087,14 +16087,14 @@
           </a:ln>
           <a:extLst>
             <a:ext uri="{909E8E84-426E-40dd-AFC4-6F175D3DCCD1}">
-              <a14:hiddenFill xmlns="" xmlns:a14="http://schemas.microsoft.com/office/drawing/2010/main">
+              <a14:hiddenFill xmlns:a14="http://schemas.microsoft.com/office/drawing/2010/main" xmlns="">
                 <a:solidFill>
                   <a:srgbClr val="FFFFFF"/>
                 </a:solidFill>
               </a14:hiddenFill>
             </a:ext>
             <a:ext uri="{91240B29-F687-4f45-9708-019B960494DF}">
-              <a14:hiddenLine xmlns="" xmlns:a14="http://schemas.microsoft.com/office/drawing/2010/main" w="9525">
+              <a14:hiddenLine xmlns:a14="http://schemas.microsoft.com/office/drawing/2010/main" xmlns="" w="9525">
                 <a:solidFill>
                   <a:srgbClr val="000000"/>
                 </a:solidFill>
@@ -16950,75 +16950,75 @@
           <a:lstStyle/>
           <a:p>
             <a:r>
-              <a:rPr lang="en-US" dirty="0"/>
+              <a:rPr lang="en-US" sz="2400" dirty="0"/>
               <a:t>Target:  </a:t>
             </a:r>
             <a:r>
-              <a:rPr lang="en-US" dirty="0" err="1"/>
+              <a:rPr lang="en-US" sz="2400" dirty="0" err="1"/>
               <a:t>ssh</a:t>
             </a:r>
             <a:r>
-              <a:rPr lang="en-US" dirty="0"/>
+              <a:rPr lang="en-US" sz="2400" dirty="0"/>
               <a:t>://vagrant@127.0.0.1:2222</a:t>
             </a:r>
           </a:p>
           <a:p>
-            <a:endParaRPr lang="en-US" dirty="0"/>
-          </a:p>
-          <a:p>
-            <a:r>
-              <a:rPr lang="en-US" dirty="0"/>
+            <a:endParaRPr lang="en-US" sz="2400" dirty="0"/>
+          </a:p>
+          <a:p>
+            <a:r>
+              <a:rPr lang="en-US" sz="2400" dirty="0"/>
               <a:t>  ✔  Command curl http://</a:t>
             </a:r>
             <a:r>
-              <a:rPr lang="en-US" dirty="0" err="1"/>
+              <a:rPr lang="en-US" sz="2400" dirty="0" err="1"/>
               <a:t>localhost</a:t>
             </a:r>
             <a:r>
-              <a:rPr lang="en-US" dirty="0"/>
+              <a:rPr lang="en-US" sz="2400" dirty="0"/>
               <a:t> </a:t>
             </a:r>
             <a:r>
-              <a:rPr lang="en-US" dirty="0" err="1"/>
+              <a:rPr lang="en-US" sz="2400" dirty="0" err="1"/>
               <a:t>stdout</a:t>
             </a:r>
             <a:r>
-              <a:rPr lang="en-US" dirty="0"/>
+              <a:rPr lang="en-US" sz="2400" dirty="0"/>
               <a:t> should match /Welcome home/</a:t>
             </a:r>
           </a:p>
           <a:p>
             <a:r>
-              <a:rPr lang="en-US" dirty="0"/>
+              <a:rPr lang="en-US" sz="2400" dirty="0"/>
               <a:t>  ✔  Command curl http://localhost:8080 </a:t>
             </a:r>
             <a:r>
-              <a:rPr lang="en-US" dirty="0" err="1"/>
+              <a:rPr lang="en-US" sz="2400" dirty="0" err="1"/>
               <a:t>stdout</a:t>
             </a:r>
             <a:r>
-              <a:rPr lang="en-US" dirty="0"/>
+              <a:rPr lang="en-US" sz="2400" dirty="0"/>
               <a:t> should match /Welcome admins/</a:t>
             </a:r>
           </a:p>
           <a:p>
-            <a:endParaRPr lang="en-US" dirty="0"/>
-          </a:p>
-          <a:p>
-            <a:r>
-              <a:rPr lang="en-US" dirty="0"/>
+            <a:endParaRPr lang="en-US" sz="2400" dirty="0"/>
+          </a:p>
+          <a:p>
+            <a:r>
+              <a:rPr lang="en-US" sz="2400" dirty="0"/>
               <a:t>Summary: 2 successful, 0 failures, 0 skipped</a:t>
             </a:r>
           </a:p>
           <a:p>
             <a:r>
-              <a:rPr lang="en-US" dirty="0"/>
+              <a:rPr lang="en-US" sz="2400" dirty="0"/>
               <a:t>       Finished verifying &lt;default-centos-67&gt; (0m0.74s).</a:t>
             </a:r>
           </a:p>
           <a:p>
             <a:r>
-              <a:rPr lang="en-US" dirty="0"/>
+              <a:rPr lang="en-US" sz="2400" dirty="0"/>
               <a:t>-----&gt; Kitchen is finished. (0m7.37s)</a:t>
             </a:r>
           </a:p>
@@ -18186,6 +18186,73 @@
             </a:r>
             <a:r>
               <a:rPr lang="en-US" sz="2000" dirty="0" smtClean="0"/>
+              <a:t>/apache/admins/html</a:t>
+            </a:r>
+            <a:r>
+              <a:rPr lang="en-US" sz="2000" dirty="0" smtClean="0"/>
+              <a:t>')</a:t>
+            </a:r>
+            <a:endParaRPr lang="en-US" sz="2000" dirty="0"/>
+          </a:p>
+          <a:p>
+            <a:r>
+              <a:rPr lang="en-US" sz="2000" dirty="0" smtClean="0"/>
+              <a:t>    end</a:t>
+            </a:r>
+            <a:endParaRPr lang="en-US" sz="2000" dirty="0"/>
+          </a:p>
+          <a:p>
+            <a:endParaRPr lang="en-US" sz="2000" dirty="0"/>
+          </a:p>
+          <a:p>
+            <a:r>
+              <a:rPr lang="en-US" sz="2000" dirty="0" smtClean="0"/>
+              <a:t>    it </a:t>
+            </a:r>
+            <a:r>
+              <a:rPr lang="en-US" sz="2000" dirty="0"/>
+              <a:t>'creates </a:t>
+            </a:r>
+            <a:r>
+              <a:rPr lang="en-US" sz="2000" dirty="0" smtClean="0"/>
+              <a:t>the configuration</a:t>
+            </a:r>
+            <a:r>
+              <a:rPr lang="en-US" sz="2000" dirty="0"/>
+              <a:t>' do</a:t>
+            </a:r>
+          </a:p>
+          <a:p>
+            <a:r>
+              <a:rPr lang="en-US" sz="2000" dirty="0"/>
+              <a:t>  </a:t>
+            </a:r>
+            <a:r>
+              <a:rPr lang="en-US" sz="2000" dirty="0" smtClean="0"/>
+              <a:t>    expect(</a:t>
+            </a:r>
+            <a:r>
+              <a:rPr lang="en-US" sz="2000" dirty="0" err="1" smtClean="0"/>
+              <a:t>chef_run</a:t>
+            </a:r>
+            <a:r>
+              <a:rPr lang="en-US" sz="2000" dirty="0"/>
+              <a:t>).to </a:t>
+            </a:r>
+            <a:r>
+              <a:rPr lang="en-US" sz="2000" dirty="0" err="1"/>
+              <a:t>render_file</a:t>
+            </a:r>
+            <a:r>
+              <a:rPr lang="en-US" sz="2000" dirty="0"/>
+              <a:t>('/</a:t>
+            </a:r>
+            <a:r>
+              <a:rPr lang="en-US" sz="2000" dirty="0" err="1" smtClean="0"/>
+              <a:t>etc</a:t>
+            </a:r>
+            <a:r>
+              <a:rPr lang="en-US" sz="2000" dirty="0" smtClean="0"/>
               <a:t>/</a:t>
             </a:r>
             <a:r>
@@ -18194,14 +18261,42 @@
             </a:r>
             <a:r>
               <a:rPr lang="en-US" sz="2000" dirty="0" smtClean="0"/>
-              <a:t>/admins/html')</a:t>
-            </a:r>
-            <a:endParaRPr lang="en-US" sz="2000" dirty="0"/>
-          </a:p>
-          <a:p>
+              <a:t>/</a:t>
+            </a:r>
+            <a:r>
+              <a:rPr lang="en-US" sz="2000" dirty="0" err="1" smtClean="0"/>
+              <a:t>conf.d</a:t>
+            </a:r>
             <a:r>
               <a:rPr lang="en-US" sz="2000" dirty="0" smtClean="0"/>
-              <a:t>    end</a:t>
+              <a:t>/</a:t>
+            </a:r>
+            <a:r>
+              <a:rPr lang="en-US" sz="2000" dirty="0" err="1" smtClean="0"/>
+              <a:t>admins.conf</a:t>
+            </a:r>
+            <a:r>
+              <a:rPr lang="en-US" sz="2000" dirty="0" smtClean="0"/>
+              <a:t>').</a:t>
+            </a:r>
+            <a:r>
+              <a:rPr lang="en-US" sz="2000" dirty="0" err="1"/>
+              <a:t>with_content</a:t>
+            </a:r>
+            <a:r>
+              <a:rPr lang="en-US" sz="2000" dirty="0"/>
+              <a:t>('Listen 8080')</a:t>
+            </a:r>
+            <a:endParaRPr lang="en-US" sz="2000" dirty="0" smtClean="0"/>
+          </a:p>
+          <a:p>
+            <a:r>
+              <a:rPr lang="en-US" sz="2000" dirty="0"/>
+              <a:t> </a:t>
+            </a:r>
+            <a:r>
+              <a:rPr lang="en-US" sz="2000" dirty="0" smtClean="0"/>
+              <a:t>   end</a:t>
             </a:r>
             <a:endParaRPr lang="en-US" sz="2000" dirty="0"/>
           </a:p>
@@ -18215,25 +18310,13 @@
             </a:r>
             <a:r>
               <a:rPr lang="en-US" sz="2000" dirty="0"/>
-              <a:t>'creates </a:t>
-            </a:r>
+              <a:t>'creates a new home page' do</a:t>
+            </a:r>
+          </a:p>
+          <a:p>
             <a:r>
               <a:rPr lang="en-US" sz="2000" dirty="0" smtClean="0"/>
-              <a:t>the configuration</a:t>
-            </a:r>
-            <a:r>
-              <a:rPr lang="en-US" sz="2000" dirty="0"/>
-              <a:t>' do</a:t>
-            </a:r>
-          </a:p>
-          <a:p>
-            <a:r>
-              <a:rPr lang="en-US" sz="2000" dirty="0"/>
-              <a:t>  </a:t>
-            </a:r>
-            <a:r>
-              <a:rPr lang="en-US" sz="2000" dirty="0" smtClean="0"/>
-              <a:t>    expect(</a:t>
+              <a:t>      expect(</a:t>
             </a:r>
             <a:r>
               <a:rPr lang="en-US" sz="2000" dirty="0" err="1" smtClean="0"/>
@@ -18248,84 +18331,6 @@
               <a:t>render_file</a:t>
             </a:r>
             <a:r>
-              <a:rPr lang="en-US" sz="2000" dirty="0"/>
-              <a:t>('/</a:t>
-            </a:r>
-            <a:r>
-              <a:rPr lang="en-US" sz="2000" dirty="0" err="1" smtClean="0"/>
-              <a:t>etc</a:t>
-            </a:r>
-            <a:r>
-              <a:rPr lang="en-US" sz="2000" dirty="0" smtClean="0"/>
-              <a:t>/</a:t>
-            </a:r>
-            <a:r>
-              <a:rPr lang="en-US" sz="2000" dirty="0" err="1" smtClean="0"/>
-              <a:t>httpd</a:t>
-            </a:r>
-            <a:r>
-              <a:rPr lang="en-US" sz="2000" dirty="0" smtClean="0"/>
-              <a:t>/</a:t>
-            </a:r>
-            <a:r>
-              <a:rPr lang="en-US" sz="2000" dirty="0" err="1" smtClean="0"/>
-              <a:t>conf.d</a:t>
-            </a:r>
-            <a:r>
-              <a:rPr lang="en-US" sz="2000" dirty="0" smtClean="0"/>
-              <a:t>/</a:t>
-            </a:r>
-            <a:r>
-              <a:rPr lang="en-US" sz="2000" dirty="0" err="1" smtClean="0"/>
-              <a:t>admins.conf</a:t>
-            </a:r>
-            <a:r>
-              <a:rPr lang="en-US" sz="2000" dirty="0" smtClean="0"/>
-              <a:t>')</a:t>
-            </a:r>
-          </a:p>
-          <a:p>
-            <a:r>
-              <a:rPr lang="en-US" sz="2000" dirty="0"/>
-              <a:t> </a:t>
-            </a:r>
-            <a:r>
-              <a:rPr lang="en-US" sz="2000" dirty="0" smtClean="0"/>
-              <a:t>   end</a:t>
-            </a:r>
-            <a:endParaRPr lang="en-US" sz="2000" dirty="0"/>
-          </a:p>
-          <a:p>
-            <a:endParaRPr lang="en-US" sz="2000" dirty="0"/>
-          </a:p>
-          <a:p>
-            <a:r>
-              <a:rPr lang="en-US" sz="2000" dirty="0" smtClean="0"/>
-              <a:t>    it </a:t>
-            </a:r>
-            <a:r>
-              <a:rPr lang="en-US" sz="2000" dirty="0"/>
-              <a:t>'creates a new home page' do</a:t>
-            </a:r>
-          </a:p>
-          <a:p>
-            <a:r>
-              <a:rPr lang="en-US" sz="2000" dirty="0" smtClean="0"/>
-              <a:t>      expect(</a:t>
-            </a:r>
-            <a:r>
-              <a:rPr lang="en-US" sz="2000" dirty="0" err="1" smtClean="0"/>
-              <a:t>chef_run</a:t>
-            </a:r>
-            <a:r>
-              <a:rPr lang="en-US" sz="2000" dirty="0"/>
-              <a:t>).to </a:t>
-            </a:r>
-            <a:r>
-              <a:rPr lang="en-US" sz="2000" dirty="0" err="1"/>
-              <a:t>render_file</a:t>
-            </a:r>
-            <a:r>
               <a:rPr lang="en-US" sz="2000" dirty="0" smtClean="0"/>
               <a:t>('/</a:t>
             </a:r>
@@ -18335,32 +18340,25 @@
             </a:r>
             <a:r>
               <a:rPr lang="en-US" sz="2000" dirty="0" smtClean="0"/>
-              <a:t>/</a:t>
-            </a:r>
-            <a:r>
-              <a:rPr lang="en-US" sz="2000" dirty="0" err="1" smtClean="0"/>
-              <a:t>httpd</a:t>
-            </a:r>
-            <a:r>
-              <a:rPr lang="en-US" sz="2000" dirty="0" smtClean="0"/>
-              <a:t>/admins/html/</a:t>
+              <a:t>/apache/admins/html/</a:t>
             </a:r>
             <a:r>
               <a:rPr lang="en-US" sz="2000" dirty="0" err="1" smtClean="0"/>
               <a:t>index.html</a:t>
             </a:r>
             <a:r>
+              <a:rPr lang="en-US" sz="2000" dirty="0" smtClean="0"/>
+              <a:t>').</a:t>
+            </a:r>
+            <a:r>
+              <a:rPr lang="en-US" sz="2000" dirty="0" err="1"/>
+              <a:t>with_content</a:t>
+            </a:r>
+            <a:r>
               <a:rPr lang="en-US" sz="2000" dirty="0"/>
-              <a:t>').</a:t>
-            </a:r>
-            <a:r>
-              <a:rPr lang="en-US" sz="2000" dirty="0" smtClean="0"/>
-              <a:t>wit ('&lt;h1...h1</a:t>
-            </a:r>
-            <a:r>
-              <a:rPr lang="en-US" sz="2000" dirty="0"/>
-              <a:t>&gt;')</a:t>
-            </a:r>
+              <a:t>('&lt;h1&gt;Welcome admins!&lt;/h1&gt;')</a:t>
+            </a:r>
+            <a:endParaRPr lang="en-US" sz="2000" dirty="0"/>
           </a:p>
           <a:p>
             <a:r>
@@ -19371,15 +19369,11 @@
             </a:r>
             <a:r>
               <a:rPr lang="en-US" sz="2000" dirty="0" smtClean="0"/>
-              <a:t>/</a:t>
-            </a:r>
-            <a:r>
-              <a:rPr lang="en-US" sz="2000" dirty="0" err="1" smtClean="0"/>
-              <a:t>httpd</a:t>
+              <a:t>/apache/admins/html</a:t>
             </a:r>
             <a:r>
               <a:rPr lang="en-US" sz="2000" dirty="0" smtClean="0"/>
-              <a:t>/admins/html' </a:t>
+              <a:t>' </a:t>
             </a:r>
             <a:r>
               <a:rPr lang="en-US" sz="2000" dirty="0"/>
@@ -19528,12 +19522,8 @@
               <a:t>document_root</a:t>
             </a:r>
             <a:r>
-              <a:rPr lang="en-US" sz="2000" dirty="0"/>
-              <a:t>:</a:t>
-            </a:r>
-            <a:r>
               <a:rPr lang="en-US" sz="2000" dirty="0" smtClean="0"/>
-              <a:t>'/</a:t>
+              <a:t>:'/</a:t>
             </a:r>
             <a:r>
               <a:rPr lang="en-US" sz="2000" dirty="0" err="1" smtClean="0"/>
@@ -19541,15 +19531,11 @@
             </a:r>
             <a:r>
               <a:rPr lang="en-US" sz="2000" dirty="0" smtClean="0"/>
-              <a:t>/</a:t>
-            </a:r>
-            <a:r>
-              <a:rPr lang="en-US" sz="2000" dirty="0" err="1" smtClean="0"/>
-              <a:t>httpd</a:t>
+              <a:t>/apache/admins/html</a:t>
             </a:r>
             <a:r>
               <a:rPr lang="en-US" sz="2000" dirty="0" smtClean="0"/>
-              <a:t>/admins/html', port: 8080)</a:t>
+              <a:t>', port: 8080)</a:t>
             </a:r>
             <a:endParaRPr lang="en-US" sz="2000" dirty="0"/>
           </a:p>
@@ -19600,7 +19586,11 @@
             </a:pPr>
             <a:r>
               <a:rPr lang="en-US" sz="2000" dirty="0" smtClean="0"/>
-              <a:t>file '/</a:t>
+              <a:t>file </a:t>
+            </a:r>
+            <a:r>
+              <a:rPr lang="en-US" sz="2000" dirty="0" smtClean="0"/>
+              <a:t>'/</a:t>
             </a:r>
             <a:r>
               <a:rPr lang="en-US" sz="2000" dirty="0" err="1" smtClean="0"/>
@@ -19608,15 +19598,7 @@
             </a:r>
             <a:r>
               <a:rPr lang="en-US" sz="2000" dirty="0" smtClean="0"/>
-              <a:t>/</a:t>
-            </a:r>
-            <a:r>
-              <a:rPr lang="en-US" sz="2000" dirty="0" err="1" smtClean="0"/>
-              <a:t>httpd</a:t>
-            </a:r>
-            <a:r>
-              <a:rPr lang="en-US" sz="2000" dirty="0" smtClean="0"/>
-              <a:t>/admins/html/</a:t>
+              <a:t>/apache/admins/html/</a:t>
             </a:r>
             <a:r>
               <a:rPr lang="en-US" sz="2000" dirty="0" err="1" smtClean="0"/>
@@ -20808,7 +20790,11 @@
             </a:r>
             <a:r>
               <a:rPr lang="en-US" sz="2000" dirty="0" smtClean="0"/>
-              <a:t> directory '/</a:t>
+              <a:t> directory </a:t>
+            </a:r>
+            <a:r>
+              <a:rPr lang="en-US" sz="2000" dirty="0" smtClean="0"/>
+              <a:t>'/</a:t>
             </a:r>
             <a:r>
               <a:rPr lang="en-US" sz="2000" dirty="0" err="1" smtClean="0"/>
@@ -20816,15 +20802,11 @@
             </a:r>
             <a:r>
               <a:rPr lang="en-US" sz="2000" dirty="0" smtClean="0"/>
-              <a:t>/</a:t>
-            </a:r>
-            <a:r>
-              <a:rPr lang="en-US" sz="2000" dirty="0" err="1" smtClean="0"/>
-              <a:t>httpd</a:t>
+              <a:t>/apache/admins/html</a:t>
             </a:r>
             <a:r>
               <a:rPr lang="en-US" sz="2000" dirty="0" smtClean="0"/>
-              <a:t>/admins/html' </a:t>
+              <a:t>' </a:t>
             </a:r>
             <a:r>
               <a:rPr lang="en-US" sz="2000" dirty="0"/>
@@ -20969,7 +20951,11 @@
             </a:r>
             <a:r>
               <a:rPr lang="en-US" sz="2000" dirty="0" smtClean="0"/>
-              <a:t>: '/</a:t>
+              <a:t>: </a:t>
+            </a:r>
+            <a:r>
+              <a:rPr lang="en-US" sz="2000" dirty="0" smtClean="0"/>
+              <a:t>'/</a:t>
             </a:r>
             <a:r>
               <a:rPr lang="en-US" sz="2000" dirty="0" err="1" smtClean="0"/>
@@ -20977,19 +20963,15 @@
             </a:r>
             <a:r>
               <a:rPr lang="en-US" sz="2000" dirty="0" smtClean="0"/>
-              <a:t>/</a:t>
+              <a:t>/apache/admins/</a:t>
             </a:r>
             <a:r>
               <a:rPr lang="en-US" sz="2000" dirty="0" err="1" smtClean="0"/>
-              <a:t>httpd</a:t>
-            </a:r>
-            <a:r>
-              <a:rPr lang="en-US" sz="2000" dirty="0" smtClean="0"/>
-              <a:t>/admins/</a:t>
+              <a:t>html</a:t>
             </a:r>
             <a:r>
               <a:rPr lang="en-US" sz="2000" dirty="0" err="1" smtClean="0"/>
-              <a:t>html',port</a:t>
+              <a:t>',port</a:t>
             </a:r>
             <a:r>
               <a:rPr lang="en-US" sz="2000" dirty="0" smtClean="0"/>
@@ -21400,7 +21382,11 @@
             </a:pPr>
             <a:r>
               <a:rPr lang="en-US" sz="2000" dirty="0" smtClean="0"/>
-              <a:t>directory '/</a:t>
+              <a:t>directory </a:t>
+            </a:r>
+            <a:r>
+              <a:rPr lang="en-US" sz="2000" dirty="0" smtClean="0"/>
+              <a:t>'/</a:t>
             </a:r>
             <a:r>
               <a:rPr lang="en-US" sz="2000" dirty="0" err="1" smtClean="0"/>
@@ -21408,15 +21394,11 @@
             </a:r>
             <a:r>
               <a:rPr lang="en-US" sz="2000" dirty="0" smtClean="0"/>
-              <a:t>/</a:t>
-            </a:r>
-            <a:r>
-              <a:rPr lang="en-US" sz="2000" dirty="0" err="1" smtClean="0"/>
-              <a:t>httpd</a:t>
+              <a:t>/apache/admins/html</a:t>
             </a:r>
             <a:r>
               <a:rPr lang="en-US" sz="2000" dirty="0" smtClean="0"/>
-              <a:t>/admins/html' </a:t>
+              <a:t>' </a:t>
             </a:r>
             <a:r>
               <a:rPr lang="en-US" sz="2000" dirty="0"/>
@@ -21748,7 +21730,11 @@
             </a:r>
             <a:r>
               <a:rPr lang="en-US" sz="2000" dirty="0" smtClean="0"/>
-              <a:t>: '/</a:t>
+              <a:t>: </a:t>
+            </a:r>
+            <a:r>
+              <a:rPr lang="en-US" sz="2000" dirty="0" smtClean="0"/>
+              <a:t>'/</a:t>
             </a:r>
             <a:r>
               <a:rPr lang="en-US" sz="2000" dirty="0" err="1" smtClean="0"/>
@@ -21756,15 +21742,11 @@
             </a:r>
             <a:r>
               <a:rPr lang="en-US" sz="2000" dirty="0" smtClean="0"/>
-              <a:t>/</a:t>
-            </a:r>
-            <a:r>
-              <a:rPr lang="en-US" sz="2000" dirty="0" err="1" smtClean="0"/>
-              <a:t>httpd</a:t>
+              <a:t>/apache/admins/html</a:t>
             </a:r>
             <a:r>
               <a:rPr lang="en-US" sz="2000" dirty="0" smtClean="0"/>
-              <a:t>/admins/html',</a:t>
+              <a:t>',</a:t>
             </a:r>
             <a:endParaRPr lang="en-US" sz="2000" dirty="0"/>
           </a:p>
@@ -21853,15 +21835,7 @@
             </a:r>
             <a:r>
               <a:rPr lang="en-US" sz="2000" dirty="0" smtClean="0"/>
-              <a:t>/</a:t>
-            </a:r>
-            <a:r>
-              <a:rPr lang="en-US" sz="2000" dirty="0" err="1" smtClean="0"/>
-              <a:t>httpd</a:t>
-            </a:r>
-            <a:r>
-              <a:rPr lang="en-US" sz="2000" dirty="0" smtClean="0"/>
-              <a:t>/admins/html/</a:t>
+              <a:t>/apache/admins/html/</a:t>
             </a:r>
             <a:r>
               <a:rPr lang="en-US" sz="2000" dirty="0" err="1" smtClean="0"/>
@@ -27919,11 +27893,7 @@
             </a:r>
             <a:r>
               <a:rPr lang="en-US" sz="2000" dirty="0" smtClean="0"/>
-              <a:t>`/home/chef/apache/test/smoke/default</a:t>
-            </a:r>
-            <a:r>
-              <a:rPr lang="en-US" sz="2000" dirty="0" smtClean="0"/>
-              <a:t>` </a:t>
+              <a:t>`/home/chef/apache/test/smoke/default` </a:t>
             </a:r>
             <a:r>
               <a:rPr lang="en-US" sz="2000" dirty="0"/>
@@ -30481,7 +30451,11 @@
             </a:pPr>
             <a:r>
               <a:rPr lang="en-US" sz="2000" dirty="0"/>
-              <a:t>  directory "/</a:t>
+              <a:t>  directory </a:t>
+            </a:r>
+            <a:r>
+              <a:rPr lang="en-US" sz="2000" dirty="0" smtClean="0"/>
+              <a:t>"/</a:t>
             </a:r>
             <a:r>
               <a:rPr lang="en-US" sz="2000" dirty="0" err="1" smtClean="0"/>
@@ -30489,15 +30463,7 @@
             </a:r>
             <a:r>
               <a:rPr lang="en-US" sz="2000" dirty="0" smtClean="0"/>
-              <a:t>/</a:t>
-            </a:r>
-            <a:r>
-              <a:rPr lang="en-US" sz="2000" dirty="0" err="1" smtClean="0"/>
-              <a:t>httpd</a:t>
-            </a:r>
-            <a:r>
-              <a:rPr lang="en-US" sz="2000" dirty="0" smtClean="0"/>
-              <a:t>/#{</a:t>
+              <a:t>/apache/#{</a:t>
             </a:r>
             <a:r>
               <a:rPr lang="en-US" sz="2000" dirty="0" err="1"/>
@@ -30653,7 +30619,7 @@
               <a:t>: </a:t>
             </a:r>
             <a:r>
-              <a:rPr lang="en-US" sz="2000" dirty="0"/>
+              <a:rPr lang="en-US" sz="2000" dirty="0" smtClean="0"/>
               <a:t>"/</a:t>
             </a:r>
             <a:r>
@@ -30662,15 +30628,7 @@
             </a:r>
             <a:r>
               <a:rPr lang="en-US" sz="2000" dirty="0" smtClean="0"/>
-              <a:t>/</a:t>
-            </a:r>
-            <a:r>
-              <a:rPr lang="en-US" sz="2000" dirty="0" err="1" smtClean="0"/>
-              <a:t>httpd</a:t>
-            </a:r>
-            <a:r>
-              <a:rPr lang="en-US" sz="2000" dirty="0" smtClean="0"/>
-              <a:t>/#{</a:t>
+              <a:t>/apache/#{</a:t>
             </a:r>
             <a:r>
               <a:rPr lang="en-US" sz="2000" dirty="0" err="1"/>
@@ -30907,7 +30865,11 @@
             </a:pPr>
             <a:r>
               <a:rPr lang="en-US" sz="2000" dirty="0"/>
-              <a:t>  directory "/</a:t>
+              <a:t>  directory </a:t>
+            </a:r>
+            <a:r>
+              <a:rPr lang="en-US" sz="2000" dirty="0" smtClean="0"/>
+              <a:t>"/</a:t>
             </a:r>
             <a:r>
               <a:rPr lang="en-US" sz="2000" dirty="0" err="1" smtClean="0"/>
@@ -30915,15 +30877,7 @@
             </a:r>
             <a:r>
               <a:rPr lang="en-US" sz="2000" dirty="0" smtClean="0"/>
-              <a:t>/</a:t>
-            </a:r>
-            <a:r>
-              <a:rPr lang="en-US" sz="2000" dirty="0" err="1" smtClean="0"/>
-              <a:t>httpd</a:t>
-            </a:r>
-            <a:r>
-              <a:rPr lang="en-US" sz="2000" dirty="0" smtClean="0"/>
-              <a:t>/#{</a:t>
+              <a:t>/apache/#{</a:t>
             </a:r>
             <a:r>
               <a:rPr lang="en-US" sz="2000" dirty="0" err="1"/>
@@ -31079,7 +31033,7 @@
               <a:t>: </a:t>
             </a:r>
             <a:r>
-              <a:rPr lang="en-US" sz="2000" dirty="0"/>
+              <a:rPr lang="en-US" sz="2000" dirty="0" smtClean="0"/>
               <a:t>"/</a:t>
             </a:r>
             <a:r>
@@ -31088,15 +31042,7 @@
             </a:r>
             <a:r>
               <a:rPr lang="en-US" sz="2000" dirty="0" smtClean="0"/>
-              <a:t>/</a:t>
-            </a:r>
-            <a:r>
-              <a:rPr lang="en-US" sz="2000" dirty="0" err="1" smtClean="0"/>
-              <a:t>httpd</a:t>
-            </a:r>
-            <a:r>
-              <a:rPr lang="en-US" sz="2000" dirty="0" smtClean="0"/>
-              <a:t>/#{</a:t>
+              <a:t>/apache/#{</a:t>
             </a:r>
             <a:r>
               <a:rPr lang="en-US" sz="2000" dirty="0" err="1"/>
@@ -31165,7 +31111,7 @@
               <a:t>  file </a:t>
             </a:r>
             <a:r>
-              <a:rPr lang="en-US" sz="2000" dirty="0"/>
+              <a:rPr lang="en-US" sz="2000" dirty="0" smtClean="0"/>
               <a:t>"/</a:t>
             </a:r>
             <a:r>
@@ -31174,15 +31120,7 @@
             </a:r>
             <a:r>
               <a:rPr lang="en-US" sz="2000" dirty="0" smtClean="0"/>
-              <a:t>/</a:t>
-            </a:r>
-            <a:r>
-              <a:rPr lang="en-US" sz="2000" dirty="0" err="1" smtClean="0"/>
-              <a:t>httpd</a:t>
-            </a:r>
-            <a:r>
-              <a:rPr lang="en-US" sz="2000" dirty="0" smtClean="0"/>
-              <a:t>/#{</a:t>
+              <a:t>/apache/#{</a:t>
             </a:r>
             <a:r>
               <a:rPr lang="en-US" sz="2000" dirty="0" err="1"/>
@@ -32001,11 +31939,7 @@
             </a:r>
             <a:r>
               <a:rPr lang="en-US" sz="2000" dirty="0" smtClean="0"/>
-              <a:t>`/home/chef/apache/test/smoke/default</a:t>
-            </a:r>
-            <a:r>
-              <a:rPr lang="en-US" sz="2000" dirty="0" smtClean="0"/>
-              <a:t>` </a:t>
+              <a:t>`/home/chef/apache/test/smoke/default` </a:t>
             </a:r>
             <a:r>
               <a:rPr lang="en-US" sz="2000" dirty="0"/>
@@ -32703,7 +32637,11 @@
             </a:pPr>
             <a:r>
               <a:rPr lang="en-US" sz="2000" dirty="0" smtClean="0"/>
-              <a:t>  directory "/</a:t>
+              <a:t>  directory </a:t>
+            </a:r>
+            <a:r>
+              <a:rPr lang="en-US" sz="2000" dirty="0" smtClean="0"/>
+              <a:t>"/</a:t>
             </a:r>
             <a:r>
               <a:rPr lang="en-US" sz="2000" dirty="0" err="1" smtClean="0"/>
@@ -32711,15 +32649,7 @@
             </a:r>
             <a:r>
               <a:rPr lang="en-US" sz="2000" dirty="0" smtClean="0"/>
-              <a:t>/</a:t>
-            </a:r>
-            <a:r>
-              <a:rPr lang="en-US" sz="2000" dirty="0" err="1" smtClean="0"/>
-              <a:t>httpd</a:t>
-            </a:r>
-            <a:r>
-              <a:rPr lang="en-US" sz="2000" dirty="0" smtClean="0"/>
-              <a:t>/#{</a:t>
+              <a:t>/apache/#{</a:t>
             </a:r>
             <a:r>
               <a:rPr lang="en-US" sz="2000" dirty="0" err="1" smtClean="0"/>
@@ -32873,7 +32803,11 @@
             </a:r>
             <a:r>
               <a:rPr lang="en-US" sz="2000" dirty="0" smtClean="0"/>
-              <a:t>: "/</a:t>
+              <a:t>: </a:t>
+            </a:r>
+            <a:r>
+              <a:rPr lang="en-US" sz="2000" dirty="0" smtClean="0"/>
+              <a:t>"/</a:t>
             </a:r>
             <a:r>
               <a:rPr lang="en-US" sz="2000" dirty="0" err="1" smtClean="0"/>
@@ -32881,15 +32815,7 @@
             </a:r>
             <a:r>
               <a:rPr lang="en-US" sz="2000" dirty="0" smtClean="0"/>
-              <a:t>/</a:t>
-            </a:r>
-            <a:r>
-              <a:rPr lang="en-US" sz="2000" dirty="0" err="1" smtClean="0"/>
-              <a:t>httpd</a:t>
-            </a:r>
-            <a:r>
-              <a:rPr lang="en-US" sz="2000" dirty="0" smtClean="0"/>
-              <a:t>/#{</a:t>
+              <a:t>/apache/#{</a:t>
             </a:r>
             <a:r>
               <a:rPr lang="en-US" sz="2000" dirty="0" err="1" smtClean="0"/>
@@ -33693,11 +33619,7 @@
             </a:r>
             <a:r>
               <a:rPr lang="en-US" sz="2000" dirty="0" smtClean="0"/>
-              <a:t>`/home/chef/apache/test/smoke/default</a:t>
-            </a:r>
-            <a:r>
-              <a:rPr lang="en-US" sz="2000" dirty="0" smtClean="0"/>
-              <a:t>` </a:t>
+              <a:t>`/home/chef/apache/test/smoke/default` </a:t>
             </a:r>
             <a:r>
               <a:rPr lang="en-US" sz="2000" dirty="0"/>
@@ -34335,7 +34257,7 @@
               <a:t>	A directory named </a:t>
             </a:r>
             <a:r>
-              <a:rPr lang="en-US" sz="2400" b="1" dirty="0">
+              <a:rPr lang="en-US" sz="2400" b="1" dirty="0" smtClean="0">
                 <a:solidFill>
                   <a:srgbClr val="3E4346"/>
                 </a:solidFill>
@@ -34356,23 +34278,7 @@
                   <a:srgbClr val="3E4346"/>
                 </a:solidFill>
               </a:rPr>
-              <a:t>/</a:t>
-            </a:r>
-            <a:r>
-              <a:rPr lang="en-US" sz="2400" b="1" dirty="0" err="1" smtClean="0">
-                <a:solidFill>
-                  <a:srgbClr val="3E4346"/>
-                </a:solidFill>
-              </a:rPr>
-              <a:t>httpd</a:t>
-            </a:r>
-            <a:r>
-              <a:rPr lang="en-US" sz="2400" b="1" dirty="0" smtClean="0">
-                <a:solidFill>
-                  <a:srgbClr val="3E4346"/>
-                </a:solidFill>
-              </a:rPr>
-              <a:t>/#{</a:t>
+              <a:t>/apache/#{</a:t>
             </a:r>
             <a:r>
               <a:rPr lang="en-US" sz="2400" b="1" dirty="0" err="1">
@@ -34688,15 +34594,7 @@
             </a:r>
             <a:r>
               <a:rPr lang="en-US" dirty="0" smtClean="0"/>
-              <a:t>/</a:t>
-            </a:r>
-            <a:r>
-              <a:rPr lang="en-US" dirty="0" err="1" smtClean="0"/>
-              <a:t>httpd</a:t>
-            </a:r>
-            <a:r>
-              <a:rPr lang="en-US" dirty="0" smtClean="0"/>
-              <a:t>/#{</a:t>
+              <a:t>/apache/#{</a:t>
             </a:r>
             <a:r>
               <a:rPr lang="en-US" dirty="0" err="1" smtClean="0"/>
@@ -35343,7 +35241,7 @@
               <a:t>	A directory named </a:t>
             </a:r>
             <a:r>
-              <a:rPr lang="en-US" sz="2400" b="1" dirty="0">
+              <a:rPr lang="en-US" sz="2400" b="1" dirty="0" smtClean="0">
                 <a:solidFill>
                   <a:srgbClr val="3E4346"/>
                 </a:solidFill>
@@ -35364,23 +35262,7 @@
                   <a:srgbClr val="3E4346"/>
                 </a:solidFill>
               </a:rPr>
-              <a:t>/</a:t>
-            </a:r>
-            <a:r>
-              <a:rPr lang="en-US" sz="2400" b="1" dirty="0" err="1" smtClean="0">
-                <a:solidFill>
-                  <a:srgbClr val="3E4346"/>
-                </a:solidFill>
-              </a:rPr>
-              <a:t>httpd</a:t>
-            </a:r>
-            <a:r>
-              <a:rPr lang="en-US" sz="2400" b="1" dirty="0" smtClean="0">
-                <a:solidFill>
-                  <a:srgbClr val="3E4346"/>
-                </a:solidFill>
-              </a:rPr>
-              <a:t>/#{</a:t>
+              <a:t>/apache/#{</a:t>
             </a:r>
             <a:r>
               <a:rPr lang="en-US" sz="2400" b="1" dirty="0" err="1">
@@ -37067,6 +36949,73 @@
             </a:r>
             <a:r>
               <a:rPr lang="en-US" sz="2000" dirty="0" smtClean="0"/>
+              <a:t>/apache/users/html</a:t>
+            </a:r>
+            <a:r>
+              <a:rPr lang="en-US" sz="2000" dirty="0" smtClean="0"/>
+              <a:t>')</a:t>
+            </a:r>
+            <a:endParaRPr lang="en-US" sz="2000" dirty="0"/>
+          </a:p>
+          <a:p>
+            <a:r>
+              <a:rPr lang="en-US" sz="2000" dirty="0" smtClean="0"/>
+              <a:t>    end</a:t>
+            </a:r>
+            <a:endParaRPr lang="en-US" sz="2000" dirty="0"/>
+          </a:p>
+          <a:p>
+            <a:endParaRPr lang="en-US" sz="2000" dirty="0"/>
+          </a:p>
+          <a:p>
+            <a:r>
+              <a:rPr lang="en-US" sz="2000" dirty="0" smtClean="0"/>
+              <a:t>    it </a:t>
+            </a:r>
+            <a:r>
+              <a:rPr lang="en-US" sz="2000" dirty="0"/>
+              <a:t>'creates </a:t>
+            </a:r>
+            <a:r>
+              <a:rPr lang="en-US" sz="2000" dirty="0" smtClean="0"/>
+              <a:t>the configuration</a:t>
+            </a:r>
+            <a:r>
+              <a:rPr lang="en-US" sz="2000" dirty="0"/>
+              <a:t>' do</a:t>
+            </a:r>
+          </a:p>
+          <a:p>
+            <a:r>
+              <a:rPr lang="en-US" sz="2000" dirty="0"/>
+              <a:t>  </a:t>
+            </a:r>
+            <a:r>
+              <a:rPr lang="en-US" sz="2000" dirty="0" smtClean="0"/>
+              <a:t>    expect(</a:t>
+            </a:r>
+            <a:r>
+              <a:rPr lang="en-US" sz="2000" dirty="0" err="1" smtClean="0"/>
+              <a:t>chef_run</a:t>
+            </a:r>
+            <a:r>
+              <a:rPr lang="en-US" sz="2000" dirty="0"/>
+              <a:t>).to </a:t>
+            </a:r>
+            <a:r>
+              <a:rPr lang="en-US" sz="2000" dirty="0" err="1"/>
+              <a:t>render_file</a:t>
+            </a:r>
+            <a:r>
+              <a:rPr lang="en-US" sz="2000" dirty="0"/>
+              <a:t>('/</a:t>
+            </a:r>
+            <a:r>
+              <a:rPr lang="en-US" sz="2000" dirty="0" err="1" smtClean="0"/>
+              <a:t>etc</a:t>
+            </a:r>
+            <a:r>
+              <a:rPr lang="en-US" sz="2000" dirty="0" smtClean="0"/>
               <a:t>/</a:t>
             </a:r>
             <a:r>
@@ -37075,7 +37024,23 @@
             </a:r>
             <a:r>
               <a:rPr lang="en-US" sz="2000" dirty="0" smtClean="0"/>
-              <a:t>/users/html')</a:t>
+              <a:t>/</a:t>
+            </a:r>
+            <a:r>
+              <a:rPr lang="en-US" sz="2000" dirty="0" err="1" smtClean="0"/>
+              <a:t>conf.d</a:t>
+            </a:r>
+            <a:r>
+              <a:rPr lang="en-US" sz="2000" dirty="0"/>
+              <a:t>/</a:t>
+            </a:r>
+            <a:r>
+              <a:rPr lang="en-US" sz="2000" dirty="0" err="1"/>
+              <a:t>users.conf</a:t>
+            </a:r>
+            <a:r>
+              <a:rPr lang="en-US" sz="2000" dirty="0" smtClean="0"/>
+              <a:t>')</a:t>
             </a:r>
             <a:endParaRPr lang="en-US" sz="2000" dirty="0"/>
           </a:p>
@@ -37096,25 +37061,13 @@
             </a:r>
             <a:r>
               <a:rPr lang="en-US" sz="2000" dirty="0"/>
-              <a:t>'creates </a:t>
-            </a:r>
+              <a:t>'creates a new home page' do</a:t>
+            </a:r>
+          </a:p>
+          <a:p>
             <a:r>
               <a:rPr lang="en-US" sz="2000" dirty="0" smtClean="0"/>
-              <a:t>the configuration</a:t>
-            </a:r>
-            <a:r>
-              <a:rPr lang="en-US" sz="2000" dirty="0"/>
-              <a:t>' do</a:t>
-            </a:r>
-          </a:p>
-          <a:p>
-            <a:r>
-              <a:rPr lang="en-US" sz="2000" dirty="0"/>
-              <a:t>  </a:t>
-            </a:r>
-            <a:r>
-              <a:rPr lang="en-US" sz="2000" dirty="0" smtClean="0"/>
-              <a:t>    expect(</a:t>
+              <a:t>      expect(</a:t>
             </a:r>
             <a:r>
               <a:rPr lang="en-US" sz="2000" dirty="0" err="1" smtClean="0"/>
@@ -37129,81 +37082,6 @@
               <a:t>render_file</a:t>
             </a:r>
             <a:r>
-              <a:rPr lang="en-US" sz="2000" dirty="0"/>
-              <a:t>('/</a:t>
-            </a:r>
-            <a:r>
-              <a:rPr lang="en-US" sz="2000" dirty="0" err="1" smtClean="0"/>
-              <a:t>etc</a:t>
-            </a:r>
-            <a:r>
-              <a:rPr lang="en-US" sz="2000" dirty="0" smtClean="0"/>
-              <a:t>/</a:t>
-            </a:r>
-            <a:r>
-              <a:rPr lang="en-US" sz="2000" dirty="0" err="1" smtClean="0"/>
-              <a:t>httpd</a:t>
-            </a:r>
-            <a:r>
-              <a:rPr lang="en-US" sz="2000" dirty="0" smtClean="0"/>
-              <a:t>/</a:t>
-            </a:r>
-            <a:r>
-              <a:rPr lang="en-US" sz="2000" dirty="0" err="1" smtClean="0"/>
-              <a:t>conf.d</a:t>
-            </a:r>
-            <a:r>
-              <a:rPr lang="en-US" sz="2000" dirty="0"/>
-              <a:t>/</a:t>
-            </a:r>
-            <a:r>
-              <a:rPr lang="en-US" sz="2000" dirty="0" err="1"/>
-              <a:t>users.conf</a:t>
-            </a:r>
-            <a:r>
-              <a:rPr lang="en-US" sz="2000" dirty="0" smtClean="0"/>
-              <a:t>')</a:t>
-            </a:r>
-            <a:endParaRPr lang="en-US" sz="2000" dirty="0"/>
-          </a:p>
-          <a:p>
-            <a:r>
-              <a:rPr lang="en-US" sz="2000" dirty="0" smtClean="0"/>
-              <a:t>    end</a:t>
-            </a:r>
-            <a:endParaRPr lang="en-US" sz="2000" dirty="0"/>
-          </a:p>
-          <a:p>
-            <a:endParaRPr lang="en-US" sz="2000" dirty="0"/>
-          </a:p>
-          <a:p>
-            <a:r>
-              <a:rPr lang="en-US" sz="2000" dirty="0" smtClean="0"/>
-              <a:t>    it </a:t>
-            </a:r>
-            <a:r>
-              <a:rPr lang="en-US" sz="2000" dirty="0"/>
-              <a:t>'creates a new home page' do</a:t>
-            </a:r>
-          </a:p>
-          <a:p>
-            <a:r>
-              <a:rPr lang="en-US" sz="2000" dirty="0" smtClean="0"/>
-              <a:t>      expect(</a:t>
-            </a:r>
-            <a:r>
-              <a:rPr lang="en-US" sz="2000" dirty="0" err="1" smtClean="0"/>
-              <a:t>chef_run</a:t>
-            </a:r>
-            <a:r>
-              <a:rPr lang="en-US" sz="2000" dirty="0"/>
-              <a:t>).to </a:t>
-            </a:r>
-            <a:r>
-              <a:rPr lang="en-US" sz="2000" dirty="0" err="1"/>
-              <a:t>render_file</a:t>
-            </a:r>
-            <a:r>
               <a:rPr lang="en-US" sz="2000" dirty="0" smtClean="0"/>
               <a:t>('/</a:t>
             </a:r>
@@ -37213,15 +37091,7 @@
             </a:r>
             <a:r>
               <a:rPr lang="en-US" sz="2000" dirty="0" smtClean="0"/>
-              <a:t>/</a:t>
-            </a:r>
-            <a:r>
-              <a:rPr lang="en-US" sz="2000" dirty="0" err="1" smtClean="0"/>
-              <a:t>httpd</a:t>
-            </a:r>
-            <a:r>
-              <a:rPr lang="en-US" sz="2000" dirty="0" smtClean="0"/>
-              <a:t>/users/html/</a:t>
+              <a:t>/apache/users/html/</a:t>
             </a:r>
             <a:r>
               <a:rPr lang="en-US" sz="2000" dirty="0" err="1" smtClean="0"/>
